--- a/Horgász szimulátor.pptx
+++ b/Horgász szimulátor.pptx
@@ -9,6 +9,8 @@
     <p:sldId id="257" r:id="rId3"/>
     <p:sldId id="258" r:id="rId4"/>
     <p:sldId id="259" r:id="rId5"/>
+    <p:sldId id="260" r:id="rId6"/>
+    <p:sldId id="261" r:id="rId7"/>
   </p:sldIdLst>
   <p:sldSz cx="12192000" cy="6858000"/>
   <p:notesSz cx="6858000" cy="9144000"/>
@@ -2810,7 +2812,7 @@
           <a:lstStyle/>
           <a:p>
             <a:r>
-              <a:rPr lang="hu-HU"/>
+              <a:rPr lang="hu-HU" dirty="0"/>
               <a:t>Mintacím szerkesztése</a:t>
             </a:r>
           </a:p>
@@ -2849,35 +2851,35 @@
           <a:p>
             <a:pPr lvl="0"/>
             <a:r>
-              <a:rPr lang="hu-HU"/>
+              <a:rPr lang="hu-HU" dirty="0"/>
               <a:t>Mintaszöveg szerkesztése</a:t>
             </a:r>
           </a:p>
           <a:p>
             <a:pPr lvl="1"/>
             <a:r>
-              <a:rPr lang="hu-HU"/>
+              <a:rPr lang="hu-HU" dirty="0"/>
               <a:t>Második szint</a:t>
             </a:r>
           </a:p>
           <a:p>
             <a:pPr lvl="2"/>
             <a:r>
-              <a:rPr lang="hu-HU"/>
+              <a:rPr lang="hu-HU" dirty="0"/>
               <a:t>Harmadik szint</a:t>
             </a:r>
           </a:p>
           <a:p>
             <a:pPr lvl="3"/>
             <a:r>
-              <a:rPr lang="hu-HU"/>
+              <a:rPr lang="hu-HU" dirty="0"/>
               <a:t>Negyedik szint</a:t>
             </a:r>
           </a:p>
           <a:p>
             <a:pPr lvl="4"/>
             <a:r>
-              <a:rPr lang="hu-HU"/>
+              <a:rPr lang="hu-HU" dirty="0"/>
               <a:t>Ötödik szint</a:t>
             </a:r>
           </a:p>
@@ -3123,11 +3125,11 @@
           <a:spcPct val="0"/>
         </a:spcBef>
         <a:buNone/>
-        <a:defRPr sz="4400" kern="1200">
+        <a:defRPr sz="4400" b="1" kern="1200">
           <a:solidFill>
             <a:schemeClr val="tx1"/>
           </a:solidFill>
-          <a:latin typeface="+mj-lt"/>
+          <a:latin typeface="BankGothic Md BT" panose="020B0807020203060204" pitchFamily="34" charset="0"/>
           <a:ea typeface="+mj-ea"/>
           <a:cs typeface="+mj-cs"/>
         </a:defRPr>
@@ -3147,7 +3149,7 @@
           <a:solidFill>
             <a:schemeClr val="tx1"/>
           </a:solidFill>
-          <a:latin typeface="+mn-lt"/>
+          <a:latin typeface="BankGothic Md BT" panose="020B0807020203060204" pitchFamily="34" charset="0"/>
           <a:ea typeface="+mn-ea"/>
           <a:cs typeface="+mn-cs"/>
         </a:defRPr>
@@ -3165,7 +3167,7 @@
           <a:solidFill>
             <a:schemeClr val="tx1"/>
           </a:solidFill>
-          <a:latin typeface="+mn-lt"/>
+          <a:latin typeface="BankGothic Md BT" panose="020B0807020203060204" pitchFamily="34" charset="0"/>
           <a:ea typeface="+mn-ea"/>
           <a:cs typeface="+mn-cs"/>
         </a:defRPr>
@@ -3183,7 +3185,7 @@
           <a:solidFill>
             <a:schemeClr val="tx1"/>
           </a:solidFill>
-          <a:latin typeface="+mn-lt"/>
+          <a:latin typeface="BankGothic Md BT" panose="020B0807020203060204" pitchFamily="34" charset="0"/>
           <a:ea typeface="+mn-ea"/>
           <a:cs typeface="+mn-cs"/>
         </a:defRPr>
@@ -3201,7 +3203,7 @@
           <a:solidFill>
             <a:schemeClr val="tx1"/>
           </a:solidFill>
-          <a:latin typeface="+mn-lt"/>
+          <a:latin typeface="BankGothic Md BT" panose="020B0807020203060204" pitchFamily="34" charset="0"/>
           <a:ea typeface="+mn-ea"/>
           <a:cs typeface="+mn-cs"/>
         </a:defRPr>
@@ -3219,7 +3221,7 @@
           <a:solidFill>
             <a:schemeClr val="tx1"/>
           </a:solidFill>
-          <a:latin typeface="+mn-lt"/>
+          <a:latin typeface="BankGothic Md BT" panose="020B0807020203060204" pitchFamily="34" charset="0"/>
           <a:ea typeface="+mn-ea"/>
           <a:cs typeface="+mn-cs"/>
         </a:defRPr>
@@ -3431,13 +3433,44 @@
         </p:nvSpPr>
         <p:spPr/>
         <p:txBody>
-          <a:bodyPr/>
-          <a:lstStyle/>
-          <a:p>
-            <a:r>
-              <a:rPr lang="hu-HU" dirty="0"/>
-              <a:t>Horgász szimulátor</a:t>
-            </a:r>
+          <a:bodyPr>
+            <a:normAutofit/>
+          </a:bodyPr>
+          <a:lstStyle/>
+          <a:p>
+            <a:r>
+              <a:rPr lang="hu-HU" dirty="0">
+                <a:latin typeface="BankGothic Md BT" panose="020B0807020203060204" pitchFamily="34" charset="0"/>
+              </a:rPr>
+              <a:t>Horgász</a:t>
+            </a:r>
+            <a:r>
+              <a:rPr lang="en-GB" dirty="0">
+                <a:latin typeface="BankGothic Md BT" panose="020B0807020203060204" pitchFamily="34" charset="0"/>
+              </a:rPr>
+              <a:t>ok</a:t>
+            </a:r>
+            <a:r>
+              <a:rPr lang="hu-HU" dirty="0">
+                <a:latin typeface="BankGothic Md BT" panose="020B0807020203060204" pitchFamily="34" charset="0"/>
+              </a:rPr>
+              <a:t> </a:t>
+            </a:r>
+            <a:r>
+              <a:rPr lang="en-GB" dirty="0" err="1">
+                <a:latin typeface="BankGothic Md BT" panose="020B0807020203060204" pitchFamily="34" charset="0"/>
+              </a:rPr>
+              <a:t>lig</a:t>
+            </a:r>
+            <a:r>
+              <a:rPr lang="hu-HU" dirty="0" err="1">
+                <a:latin typeface="BankGothic Md BT" panose="020B0807020203060204" pitchFamily="34" charset="0"/>
+              </a:rPr>
+              <a:t>ája</a:t>
+            </a:r>
+            <a:endParaRPr lang="hu-HU" dirty="0">
+              <a:latin typeface="BankGothic Md BT" panose="020B0807020203060204" pitchFamily="34" charset="0"/>
+            </a:endParaRPr>
           </a:p>
         </p:txBody>
       </p:sp>
@@ -3457,12 +3490,54 @@
             <p:ph type="subTitle" idx="1"/>
           </p:nvPr>
         </p:nvSpPr>
-        <p:spPr/>
-        <p:txBody>
-          <a:bodyPr/>
-          <a:lstStyle/>
-          <a:p>
-            <a:endParaRPr lang="hu-HU"/>
+        <p:spPr>
+          <a:xfrm>
+            <a:off x="1524000" y="3602038"/>
+            <a:ext cx="9144000" cy="1751012"/>
+          </a:xfrm>
+        </p:spPr>
+        <p:txBody>
+          <a:bodyPr>
+            <a:normAutofit lnSpcReduction="10000"/>
+          </a:bodyPr>
+          <a:lstStyle/>
+          <a:p>
+            <a:r>
+              <a:rPr lang="hu-HU" dirty="0">
+                <a:latin typeface="BankGothic Md BT" panose="020B0807020203060204" pitchFamily="34" charset="0"/>
+              </a:rPr>
+              <a:t>Készítette:</a:t>
+            </a:r>
+          </a:p>
+          <a:p>
+            <a:r>
+              <a:rPr lang="hu-HU" dirty="0">
+                <a:latin typeface="BankGothic Md BT" panose="020B0807020203060204" pitchFamily="34" charset="0"/>
+              </a:rPr>
+              <a:t>Csöngető Csongor</a:t>
+            </a:r>
+          </a:p>
+          <a:p>
+            <a:r>
+              <a:rPr lang="hu-HU" dirty="0" err="1">
+                <a:latin typeface="BankGothic Md BT" panose="020B0807020203060204" pitchFamily="34" charset="0"/>
+              </a:rPr>
+              <a:t>Tófalvi</a:t>
+            </a:r>
+            <a:r>
+              <a:rPr lang="hu-HU" dirty="0">
+                <a:latin typeface="BankGothic Md BT" panose="020B0807020203060204" pitchFamily="34" charset="0"/>
+              </a:rPr>
+              <a:t> Zalán</a:t>
+            </a:r>
+          </a:p>
+          <a:p>
+            <a:r>
+              <a:rPr lang="hu-HU" dirty="0">
+                <a:latin typeface="BankGothic Md BT" panose="020B0807020203060204" pitchFamily="34" charset="0"/>
+              </a:rPr>
+              <a:t>Schmitzhofer Pál</a:t>
+            </a:r>
           </a:p>
         </p:txBody>
       </p:sp>
@@ -3517,35 +3592,116 @@
           <a:bodyPr/>
           <a:lstStyle/>
           <a:p>
-            <a:endParaRPr lang="hu-HU" dirty="0"/>
-          </a:p>
-        </p:txBody>
-      </p:sp>
-      <p:sp>
-        <p:nvSpPr>
-          <p:cNvPr id="3" name="Tartalom helye 2">
-            <a:extLst>
-              <a:ext uri="{FF2B5EF4-FFF2-40B4-BE49-F238E27FC236}">
-                <a16:creationId xmlns:a16="http://schemas.microsoft.com/office/drawing/2014/main" id="{807239B6-22EB-4570-8EB6-5BB415E1A978}"/>
-              </a:ext>
-            </a:extLst>
-          </p:cNvPr>
-          <p:cNvSpPr>
-            <a:spLocks noGrp="1"/>
-          </p:cNvSpPr>
+            <a:r>
+              <a:rPr lang="hu-HU" dirty="0"/>
+              <a:t>Tél van és befagyott a tó?</a:t>
+            </a:r>
+            <a:br>
+              <a:rPr lang="hu-HU" dirty="0"/>
+            </a:br>
+            <a:r>
+              <a:rPr lang="hu-HU" dirty="0"/>
+              <a:t>Unatkozik otthon?</a:t>
+            </a:r>
+          </a:p>
+        </p:txBody>
+      </p:sp>
+      <p:pic>
+        <p:nvPicPr>
+          <p:cNvPr id="1026" name="Picture 2" descr="Twitter Shows Epidemic of School Boredom | The New Republic">
+            <a:extLst>
+              <a:ext uri="{FF2B5EF4-FFF2-40B4-BE49-F238E27FC236}">
+                <a16:creationId xmlns:a16="http://schemas.microsoft.com/office/drawing/2014/main" id="{25001AD1-33A4-4A7C-B5AF-A4EA5D37003D}"/>
+              </a:ext>
+            </a:extLst>
+          </p:cNvPr>
+          <p:cNvPicPr>
+            <a:picLocks noGrp="1" noChangeAspect="1" noChangeArrowheads="1"/>
+          </p:cNvPicPr>
           <p:nvPr>
             <p:ph idx="1"/>
           </p:nvPr>
-        </p:nvSpPr>
-        <p:spPr/>
-        <p:txBody>
-          <a:bodyPr/>
-          <a:lstStyle/>
-          <a:p>
-            <a:endParaRPr lang="hu-HU" dirty="0"/>
-          </a:p>
-        </p:txBody>
-      </p:sp>
+        </p:nvPicPr>
+        <p:blipFill>
+          <a:blip r:embed="rId2">
+            <a:extLst>
+              <a:ext uri="{28A0092B-C50C-407E-A947-70E740481C1C}">
+                <a14:useLocalDpi xmlns:a14="http://schemas.microsoft.com/office/drawing/2010/main" val="0"/>
+              </a:ext>
+            </a:extLst>
+          </a:blip>
+          <a:srcRect/>
+          <a:stretch>
+            <a:fillRect/>
+          </a:stretch>
+        </p:blipFill>
+        <p:spPr bwMode="auto">
+          <a:xfrm>
+            <a:off x="6880622" y="2372145"/>
+            <a:ext cx="4006453" cy="2670969"/>
+          </a:xfrm>
+          <a:prstGeom prst="rect">
+            <a:avLst/>
+          </a:prstGeom>
+          <a:noFill/>
+          <a:extLst>
+            <a:ext uri="{909E8E84-426E-40DD-AFC4-6F175D3DCCD1}">
+              <a14:hiddenFill xmlns:a14="http://schemas.microsoft.com/office/drawing/2010/main">
+                <a:solidFill>
+                  <a:srgbClr val="FFFFFF"/>
+                </a:solidFill>
+              </a14:hiddenFill>
+            </a:ext>
+          </a:extLst>
+        </p:spPr>
+      </p:pic>
+      <p:pic>
+        <p:nvPicPr>
+          <p:cNvPr id="1028" name="Picture 4" descr="6 Fun Activities To Try On A Frozen Lake That Aren't Ice Skating - Club  Getaway">
+            <a:extLst>
+              <a:ext uri="{FF2B5EF4-FFF2-40B4-BE49-F238E27FC236}">
+                <a16:creationId xmlns:a16="http://schemas.microsoft.com/office/drawing/2014/main" id="{1CF5D321-A985-4C76-A2D6-A720E4A48AE5}"/>
+              </a:ext>
+            </a:extLst>
+          </p:cNvPr>
+          <p:cNvPicPr>
+            <a:picLocks noChangeAspect="1" noChangeArrowheads="1"/>
+          </p:cNvPicPr>
+          <p:nvPr/>
+        </p:nvPicPr>
+        <p:blipFill>
+          <a:blip r:embed="rId3">
+            <a:extLst>
+              <a:ext uri="{28A0092B-C50C-407E-A947-70E740481C1C}">
+                <a14:useLocalDpi xmlns:a14="http://schemas.microsoft.com/office/drawing/2010/main" val="0"/>
+              </a:ext>
+            </a:extLst>
+          </a:blip>
+          <a:srcRect/>
+          <a:stretch>
+            <a:fillRect/>
+          </a:stretch>
+        </p:blipFill>
+        <p:spPr bwMode="auto">
+          <a:xfrm>
+            <a:off x="1304925" y="2290810"/>
+            <a:ext cx="4257675" cy="2833640"/>
+          </a:xfrm>
+          <a:prstGeom prst="rect">
+            <a:avLst/>
+          </a:prstGeom>
+          <a:noFill/>
+          <a:extLst>
+            <a:ext uri="{909E8E84-426E-40DD-AFC4-6F175D3DCCD1}">
+              <a14:hiddenFill xmlns:a14="http://schemas.microsoft.com/office/drawing/2010/main">
+                <a:solidFill>
+                  <a:srgbClr val="FFFFFF"/>
+                </a:solidFill>
+              </a14:hiddenFill>
+            </a:ext>
+          </a:extLst>
+        </p:spPr>
+      </p:pic>
     </p:spTree>
     <p:extLst>
       <p:ext uri="{BB962C8B-B14F-4D97-AF65-F5344CB8AC3E}">
@@ -3592,12 +3748,21 @@
             <p:ph type="title"/>
           </p:nvPr>
         </p:nvSpPr>
-        <p:spPr/>
-        <p:txBody>
-          <a:bodyPr/>
-          <a:lstStyle/>
-          <a:p>
-            <a:endParaRPr lang="hu-HU"/>
+        <p:spPr>
+          <a:xfrm>
+            <a:off x="219075" y="346075"/>
+            <a:ext cx="10915650" cy="1325563"/>
+          </a:xfrm>
+        </p:spPr>
+        <p:txBody>
+          <a:bodyPr/>
+          <a:lstStyle/>
+          <a:p>
+            <a:pPr algn="ctr"/>
+            <a:r>
+              <a:rPr lang="hu-HU" dirty="0"/>
+              <a:t>Akkor a Horgászok Ligája neked való!</a:t>
+            </a:r>
           </a:p>
         </p:txBody>
       </p:sp>
@@ -3622,7 +3787,47 @@
           <a:bodyPr/>
           <a:lstStyle/>
           <a:p>
-            <a:endParaRPr lang="hu-HU"/>
+            <a:r>
+              <a:rPr lang="hu-HU" dirty="0"/>
+              <a:t>Ebben a játékban átélheted a </a:t>
+            </a:r>
+            <a:r>
+              <a:rPr lang="hu-HU" dirty="0" err="1"/>
+              <a:t>horgászás</a:t>
+            </a:r>
+            <a:r>
+              <a:rPr lang="hu-HU" dirty="0"/>
+              <a:t> élményeit egyenesen otthonról</a:t>
+            </a:r>
+          </a:p>
+          <a:p>
+            <a:r>
+              <a:rPr lang="hu-HU" dirty="0"/>
+              <a:t>Nyugtató és </a:t>
+            </a:r>
+            <a:r>
+              <a:rPr lang="hu-HU" dirty="0" err="1"/>
+              <a:t>relaxáló</a:t>
+            </a:r>
+            <a:endParaRPr lang="hu-HU" dirty="0"/>
+          </a:p>
+          <a:p>
+            <a:r>
+              <a:rPr lang="hu-HU" dirty="0"/>
+              <a:t>Realisztikus játékmenet</a:t>
+            </a:r>
+          </a:p>
+          <a:p>
+            <a:r>
+              <a:rPr lang="hu-HU" dirty="0"/>
+              <a:t>Valódi horgászat, a horgászoknak és a horgászni nem tudóknak is!</a:t>
+            </a:r>
+          </a:p>
+          <a:p>
+            <a:pPr marL="0" indent="0">
+              <a:buNone/>
+            </a:pPr>
+            <a:endParaRPr lang="hu-HU" dirty="0"/>
           </a:p>
         </p:txBody>
       </p:sp>
@@ -3677,7 +3882,10 @@
           <a:bodyPr/>
           <a:lstStyle/>
           <a:p>
-            <a:endParaRPr lang="hu-HU"/>
+            <a:r>
+              <a:rPr lang="hu-HU" dirty="0"/>
+              <a:t>A játékmenet</a:t>
+            </a:r>
           </a:p>
         </p:txBody>
       </p:sp>
@@ -3702,7 +3910,69 @@
           <a:bodyPr/>
           <a:lstStyle/>
           <a:p>
-            <a:endParaRPr lang="hu-HU"/>
+            <a:r>
+              <a:rPr lang="hu-HU" dirty="0"/>
+              <a:t>Határtalan </a:t>
+            </a:r>
+            <a:r>
+              <a:rPr lang="hu-HU" dirty="0" err="1"/>
+              <a:t>horgászás</a:t>
+            </a:r>
+            <a:endParaRPr lang="hu-HU" dirty="0"/>
+          </a:p>
+          <a:p>
+            <a:r>
+              <a:rPr lang="hu-HU" dirty="0"/>
+              <a:t>Egy </a:t>
+            </a:r>
+            <a:r>
+              <a:rPr lang="hu-HU" dirty="0" err="1"/>
+              <a:t>horgászás</a:t>
+            </a:r>
+            <a:r>
+              <a:rPr lang="hu-HU" dirty="0"/>
+              <a:t> 5 bedobásból áll</a:t>
+            </a:r>
+          </a:p>
+          <a:p>
+            <a:r>
+              <a:rPr lang="hu-HU" dirty="0"/>
+              <a:t>A fogásokat hazaviheted: a játék elmenti őket</a:t>
+            </a:r>
+          </a:p>
+          <a:p>
+            <a:r>
+              <a:rPr lang="hu-HU" dirty="0"/>
+              <a:t>Tudsz fogni:</a:t>
+            </a:r>
+          </a:p>
+          <a:p>
+            <a:pPr lvl="1"/>
+            <a:r>
+              <a:rPr lang="hu-HU" dirty="0"/>
+              <a:t>Halak</a:t>
+            </a:r>
+          </a:p>
+          <a:p>
+            <a:pPr lvl="1"/>
+            <a:r>
+              <a:rPr lang="hu-HU" dirty="0"/>
+              <a:t>Egyéb tárgyak</a:t>
+            </a:r>
+          </a:p>
+          <a:p>
+            <a:pPr lvl="1"/>
+            <a:r>
+              <a:rPr lang="hu-HU" dirty="0"/>
+              <a:t>A szerelék leszakadhat</a:t>
+            </a:r>
+          </a:p>
+          <a:p>
+            <a:pPr lvl="1"/>
+            <a:r>
+              <a:rPr lang="hu-HU" dirty="0"/>
+              <a:t>És egy ritka meglepetést</a:t>
+            </a:r>
           </a:p>
         </p:txBody>
       </p:sp>
@@ -3710,6 +3980,252 @@
     <p:extLst>
       <p:ext uri="{BB962C8B-B14F-4D97-AF65-F5344CB8AC3E}">
         <p14:creationId xmlns:p14="http://schemas.microsoft.com/office/powerpoint/2010/main" val="77636517"/>
+      </p:ext>
+    </p:extLst>
+  </p:cSld>
+  <p:clrMapOvr>
+    <a:masterClrMapping/>
+  </p:clrMapOvr>
+</p:sld>
+</file>
+
+<file path=ppt/slides/slide5.xml><?xml version="1.0" encoding="utf-8"?>
+<p:sld xmlns:a="http://schemas.openxmlformats.org/drawingml/2006/main" xmlns:r="http://schemas.openxmlformats.org/officeDocument/2006/relationships" xmlns:p="http://schemas.openxmlformats.org/presentationml/2006/main">
+  <p:cSld>
+    <p:spTree>
+      <p:nvGrpSpPr>
+        <p:cNvPr id="1" name=""/>
+        <p:cNvGrpSpPr/>
+        <p:nvPr/>
+      </p:nvGrpSpPr>
+      <p:grpSpPr>
+        <a:xfrm>
+          <a:off x="0" y="0"/>
+          <a:ext cx="0" cy="0"/>
+          <a:chOff x="0" y="0"/>
+          <a:chExt cx="0" cy="0"/>
+        </a:xfrm>
+      </p:grpSpPr>
+      <p:sp>
+        <p:nvSpPr>
+          <p:cNvPr id="2" name="Cím 1">
+            <a:extLst>
+              <a:ext uri="{FF2B5EF4-FFF2-40B4-BE49-F238E27FC236}">
+                <a16:creationId xmlns:a16="http://schemas.microsoft.com/office/drawing/2014/main" id="{7CD06593-7EFE-43D4-A146-127F6F924F05}"/>
+              </a:ext>
+            </a:extLst>
+          </p:cNvPr>
+          <p:cNvSpPr>
+            <a:spLocks noGrp="1"/>
+          </p:cNvSpPr>
+          <p:nvPr>
+            <p:ph type="title"/>
+          </p:nvPr>
+        </p:nvSpPr>
+        <p:spPr/>
+        <p:txBody>
+          <a:bodyPr/>
+          <a:lstStyle/>
+          <a:p>
+            <a:r>
+              <a:rPr lang="hu-HU" dirty="0"/>
+              <a:t>A halállomány</a:t>
+            </a:r>
+          </a:p>
+        </p:txBody>
+      </p:sp>
+      <p:sp>
+        <p:nvSpPr>
+          <p:cNvPr id="3" name="Tartalom helye 2">
+            <a:extLst>
+              <a:ext uri="{FF2B5EF4-FFF2-40B4-BE49-F238E27FC236}">
+                <a16:creationId xmlns:a16="http://schemas.microsoft.com/office/drawing/2014/main" id="{27045D97-D4DB-4EE0-A4E9-05A0552AE0D8}"/>
+              </a:ext>
+            </a:extLst>
+          </p:cNvPr>
+          <p:cNvSpPr>
+            <a:spLocks noGrp="1"/>
+          </p:cNvSpPr>
+          <p:nvPr>
+            <p:ph idx="1"/>
+          </p:nvPr>
+        </p:nvSpPr>
+        <p:spPr/>
+        <p:txBody>
+          <a:bodyPr/>
+          <a:lstStyle/>
+          <a:p>
+            <a:r>
+              <a:rPr lang="hu-HU" dirty="0"/>
+              <a:t>A játék egyedileg formázható halállományt biztosít</a:t>
+            </a:r>
+          </a:p>
+          <a:p>
+            <a:r>
+              <a:rPr lang="hu-HU" dirty="0"/>
+              <a:t>Halállománnyal kapcsolatos műveletek:</a:t>
+            </a:r>
+          </a:p>
+          <a:p>
+            <a:pPr lvl="1"/>
+            <a:r>
+              <a:rPr lang="hu-HU" dirty="0"/>
+              <a:t>Fajok kilistázása</a:t>
+            </a:r>
+          </a:p>
+          <a:p>
+            <a:pPr lvl="1"/>
+            <a:r>
+              <a:rPr lang="hu-HU" dirty="0"/>
+              <a:t>Faj keresése</a:t>
+            </a:r>
+          </a:p>
+          <a:p>
+            <a:pPr lvl="1"/>
+            <a:r>
+              <a:rPr lang="hu-HU" dirty="0"/>
+              <a:t>Új faj hozzáadása</a:t>
+            </a:r>
+          </a:p>
+          <a:p>
+            <a:pPr lvl="1"/>
+            <a:r>
+              <a:rPr lang="hu-HU" dirty="0"/>
+              <a:t>Faj módosítása</a:t>
+            </a:r>
+          </a:p>
+          <a:p>
+            <a:pPr lvl="1"/>
+            <a:r>
+              <a:rPr lang="hu-HU" dirty="0"/>
+              <a:t>Faj törlése</a:t>
+            </a:r>
+          </a:p>
+          <a:p>
+            <a:pPr marL="0" indent="0">
+              <a:buNone/>
+            </a:pPr>
+            <a:endParaRPr lang="hu-HU" dirty="0"/>
+          </a:p>
+        </p:txBody>
+      </p:sp>
+    </p:spTree>
+    <p:extLst>
+      <p:ext uri="{BB962C8B-B14F-4D97-AF65-F5344CB8AC3E}">
+        <p14:creationId xmlns:p14="http://schemas.microsoft.com/office/powerpoint/2010/main" val="12097455"/>
+      </p:ext>
+    </p:extLst>
+  </p:cSld>
+  <p:clrMapOvr>
+    <a:masterClrMapping/>
+  </p:clrMapOvr>
+</p:sld>
+</file>
+
+<file path=ppt/slides/slide6.xml><?xml version="1.0" encoding="utf-8"?>
+<p:sld xmlns:a="http://schemas.openxmlformats.org/drawingml/2006/main" xmlns:r="http://schemas.openxmlformats.org/officeDocument/2006/relationships" xmlns:p="http://schemas.openxmlformats.org/presentationml/2006/main">
+  <p:cSld>
+    <p:spTree>
+      <p:nvGrpSpPr>
+        <p:cNvPr id="1" name=""/>
+        <p:cNvGrpSpPr/>
+        <p:nvPr/>
+      </p:nvGrpSpPr>
+      <p:grpSpPr>
+        <a:xfrm>
+          <a:off x="0" y="0"/>
+          <a:ext cx="0" cy="0"/>
+          <a:chOff x="0" y="0"/>
+          <a:chExt cx="0" cy="0"/>
+        </a:xfrm>
+      </p:grpSpPr>
+      <p:sp>
+        <p:nvSpPr>
+          <p:cNvPr id="2" name="Cím 1">
+            <a:extLst>
+              <a:ext uri="{FF2B5EF4-FFF2-40B4-BE49-F238E27FC236}">
+                <a16:creationId xmlns:a16="http://schemas.microsoft.com/office/drawing/2014/main" id="{2EF45818-CF34-47E7-9E97-8935128231AB}"/>
+              </a:ext>
+            </a:extLst>
+          </p:cNvPr>
+          <p:cNvSpPr>
+            <a:spLocks noGrp="1"/>
+          </p:cNvSpPr>
+          <p:nvPr>
+            <p:ph type="title"/>
+          </p:nvPr>
+        </p:nvSpPr>
+        <p:spPr/>
+        <p:txBody>
+          <a:bodyPr/>
+          <a:lstStyle/>
+          <a:p>
+            <a:r>
+              <a:rPr lang="hu-HU" dirty="0"/>
+              <a:t>Hazavitt halak</a:t>
+            </a:r>
+          </a:p>
+        </p:txBody>
+      </p:sp>
+      <p:sp>
+        <p:nvSpPr>
+          <p:cNvPr id="3" name="Tartalom helye 2">
+            <a:extLst>
+              <a:ext uri="{FF2B5EF4-FFF2-40B4-BE49-F238E27FC236}">
+                <a16:creationId xmlns:a16="http://schemas.microsoft.com/office/drawing/2014/main" id="{0D2A7100-157E-4F9A-BF50-BB14885D0C61}"/>
+              </a:ext>
+            </a:extLst>
+          </p:cNvPr>
+          <p:cNvSpPr>
+            <a:spLocks noGrp="1"/>
+          </p:cNvSpPr>
+          <p:nvPr>
+            <p:ph idx="1"/>
+          </p:nvPr>
+        </p:nvSpPr>
+        <p:spPr/>
+        <p:txBody>
+          <a:bodyPr/>
+          <a:lstStyle/>
+          <a:p>
+            <a:r>
+              <a:rPr lang="hu-HU" dirty="0"/>
+              <a:t>A hazavitt halakkal kedved szerint tudsz bánni:</a:t>
+            </a:r>
+          </a:p>
+          <a:p>
+            <a:r>
+              <a:rPr lang="hu-HU" dirty="0"/>
+              <a:t>Kilistázhatod a halakat</a:t>
+            </a:r>
+          </a:p>
+          <a:p>
+            <a:r>
+              <a:rPr lang="hu-HU" dirty="0"/>
+              <a:t>Kereshetsz fajnév alapján</a:t>
+            </a:r>
+          </a:p>
+          <a:p>
+            <a:r>
+              <a:rPr lang="hu-HU" dirty="0"/>
+              <a:t>Megnézheted a rekordtartókat</a:t>
+            </a:r>
+          </a:p>
+          <a:p>
+            <a:r>
+              <a:rPr lang="hu-HU" dirty="0"/>
+              <a:t>Megeheted a halakat</a:t>
+            </a:r>
+          </a:p>
+          <a:p>
+            <a:endParaRPr lang="hu-HU" dirty="0"/>
+          </a:p>
+        </p:txBody>
+      </p:sp>
+    </p:spTree>
+    <p:extLst>
+      <p:ext uri="{BB962C8B-B14F-4D97-AF65-F5344CB8AC3E}">
+        <p14:creationId xmlns:p14="http://schemas.microsoft.com/office/powerpoint/2010/main" val="2047615027"/>
       </p:ext>
     </p:extLst>
   </p:cSld>

--- a/Horgász szimulátor.pptx
+++ b/Horgász szimulátor.pptx
@@ -11,6 +11,7 @@
     <p:sldId id="259" r:id="rId5"/>
     <p:sldId id="260" r:id="rId6"/>
     <p:sldId id="261" r:id="rId7"/>
+    <p:sldId id="262" r:id="rId8"/>
   </p:sldIdLst>
   <p:sldSz cx="12192000" cy="6858000"/>
   <p:notesSz cx="6858000" cy="9144000"/>
@@ -109,6 +110,11 @@
       </a:defRPr>
     </a:lvl9pPr>
   </p:defaultTextStyle>
+  <p:extLst>
+    <p:ext uri="{EFAFB233-063F-42B5-8137-9DF3F51BA10A}">
+      <p15:sldGuideLst xmlns:p15="http://schemas.microsoft.com/office/powerpoint/2012/main"/>
+    </p:ext>
+  </p:extLst>
 </p:presentation>
 </file>
 
@@ -259,7 +265,7 @@
           <a:p>
             <a:fld id="{AEBE5CCF-4B5F-4BB8-83B5-7A50E3F3CC6D}" type="datetimeFigureOut">
               <a:rPr lang="hu-HU" smtClean="0"/>
-              <a:t>2022.11.23</a:t>
+              <a:t>2022.11.30</a:t>
             </a:fld>
             <a:endParaRPr lang="hu-HU"/>
           </a:p>
@@ -457,7 +463,7 @@
           <a:p>
             <a:fld id="{AEBE5CCF-4B5F-4BB8-83B5-7A50E3F3CC6D}" type="datetimeFigureOut">
               <a:rPr lang="hu-HU" smtClean="0"/>
-              <a:t>2022.11.23</a:t>
+              <a:t>2022.11.30</a:t>
             </a:fld>
             <a:endParaRPr lang="hu-HU"/>
           </a:p>
@@ -665,7 +671,7 @@
           <a:p>
             <a:fld id="{AEBE5CCF-4B5F-4BB8-83B5-7A50E3F3CC6D}" type="datetimeFigureOut">
               <a:rPr lang="hu-HU" smtClean="0"/>
-              <a:t>2022.11.23</a:t>
+              <a:t>2022.11.30</a:t>
             </a:fld>
             <a:endParaRPr lang="hu-HU"/>
           </a:p>
@@ -863,7 +869,7 @@
           <a:p>
             <a:fld id="{AEBE5CCF-4B5F-4BB8-83B5-7A50E3F3CC6D}" type="datetimeFigureOut">
               <a:rPr lang="hu-HU" smtClean="0"/>
-              <a:t>2022.11.23</a:t>
+              <a:t>2022.11.30</a:t>
             </a:fld>
             <a:endParaRPr lang="hu-HU"/>
           </a:p>
@@ -1138,7 +1144,7 @@
           <a:p>
             <a:fld id="{AEBE5CCF-4B5F-4BB8-83B5-7A50E3F3CC6D}" type="datetimeFigureOut">
               <a:rPr lang="hu-HU" smtClean="0"/>
-              <a:t>2022.11.23</a:t>
+              <a:t>2022.11.30</a:t>
             </a:fld>
             <a:endParaRPr lang="hu-HU"/>
           </a:p>
@@ -1403,7 +1409,7 @@
           <a:p>
             <a:fld id="{AEBE5CCF-4B5F-4BB8-83B5-7A50E3F3CC6D}" type="datetimeFigureOut">
               <a:rPr lang="hu-HU" smtClean="0"/>
-              <a:t>2022.11.23</a:t>
+              <a:t>2022.11.30</a:t>
             </a:fld>
             <a:endParaRPr lang="hu-HU"/>
           </a:p>
@@ -1815,7 +1821,7 @@
           <a:p>
             <a:fld id="{AEBE5CCF-4B5F-4BB8-83B5-7A50E3F3CC6D}" type="datetimeFigureOut">
               <a:rPr lang="hu-HU" smtClean="0"/>
-              <a:t>2022.11.23</a:t>
+              <a:t>2022.11.30</a:t>
             </a:fld>
             <a:endParaRPr lang="hu-HU"/>
           </a:p>
@@ -1956,7 +1962,7 @@
           <a:p>
             <a:fld id="{AEBE5CCF-4B5F-4BB8-83B5-7A50E3F3CC6D}" type="datetimeFigureOut">
               <a:rPr lang="hu-HU" smtClean="0"/>
-              <a:t>2022.11.23</a:t>
+              <a:t>2022.11.30</a:t>
             </a:fld>
             <a:endParaRPr lang="hu-HU"/>
           </a:p>
@@ -2069,7 +2075,7 @@
           <a:p>
             <a:fld id="{AEBE5CCF-4B5F-4BB8-83B5-7A50E3F3CC6D}" type="datetimeFigureOut">
               <a:rPr lang="hu-HU" smtClean="0"/>
-              <a:t>2022.11.23</a:t>
+              <a:t>2022.11.30</a:t>
             </a:fld>
             <a:endParaRPr lang="hu-HU"/>
           </a:p>
@@ -2380,7 +2386,7 @@
           <a:p>
             <a:fld id="{AEBE5CCF-4B5F-4BB8-83B5-7A50E3F3CC6D}" type="datetimeFigureOut">
               <a:rPr lang="hu-HU" smtClean="0"/>
-              <a:t>2022.11.23</a:t>
+              <a:t>2022.11.30</a:t>
             </a:fld>
             <a:endParaRPr lang="hu-HU"/>
           </a:p>
@@ -2668,7 +2674,7 @@
           <a:p>
             <a:fld id="{AEBE5CCF-4B5F-4BB8-83B5-7A50E3F3CC6D}" type="datetimeFigureOut">
               <a:rPr lang="hu-HU" smtClean="0"/>
-              <a:t>2022.11.23</a:t>
+              <a:t>2022.11.30</a:t>
             </a:fld>
             <a:endParaRPr lang="hu-HU"/>
           </a:p>
@@ -2926,7 +2932,7 @@
           <a:p>
             <a:fld id="{AEBE5CCF-4B5F-4BB8-83B5-7A50E3F3CC6D}" type="datetimeFigureOut">
               <a:rPr lang="hu-HU" smtClean="0"/>
-              <a:t>2022.11.23</a:t>
+              <a:t>2022.11.30</a:t>
             </a:fld>
             <a:endParaRPr lang="hu-HU"/>
           </a:p>
@@ -3600,8 +3606,12 @@
               <a:rPr lang="hu-HU" dirty="0"/>
             </a:br>
             <a:r>
+              <a:rPr lang="hu-HU"/>
+              <a:t>Unatkozol </a:t>
+            </a:r>
+            <a:r>
               <a:rPr lang="hu-HU" dirty="0"/>
-              <a:t>Unatkozik otthon?</a:t>
+              <a:t>otthon?</a:t>
             </a:r>
           </a:p>
         </p:txBody>
@@ -4226,6 +4236,131 @@
     <p:extLst>
       <p:ext uri="{BB962C8B-B14F-4D97-AF65-F5344CB8AC3E}">
         <p14:creationId xmlns:p14="http://schemas.microsoft.com/office/powerpoint/2010/main" val="2047615027"/>
+      </p:ext>
+    </p:extLst>
+  </p:cSld>
+  <p:clrMapOvr>
+    <a:masterClrMapping/>
+  </p:clrMapOvr>
+</p:sld>
+</file>
+
+<file path=ppt/slides/slide7.xml><?xml version="1.0" encoding="utf-8"?>
+<p:sld xmlns:a="http://schemas.openxmlformats.org/drawingml/2006/main" xmlns:r="http://schemas.openxmlformats.org/officeDocument/2006/relationships" xmlns:p="http://schemas.openxmlformats.org/presentationml/2006/main">
+  <p:cSld>
+    <p:spTree>
+      <p:nvGrpSpPr>
+        <p:cNvPr id="1" name=""/>
+        <p:cNvGrpSpPr/>
+        <p:nvPr/>
+      </p:nvGrpSpPr>
+      <p:grpSpPr>
+        <a:xfrm>
+          <a:off x="0" y="0"/>
+          <a:ext cx="0" cy="0"/>
+          <a:chOff x="0" y="0"/>
+          <a:chExt cx="0" cy="0"/>
+        </a:xfrm>
+      </p:grpSpPr>
+      <p:sp>
+        <p:nvSpPr>
+          <p:cNvPr id="2" name="Cím 1">
+            <a:extLst>
+              <a:ext uri="{FF2B5EF4-FFF2-40B4-BE49-F238E27FC236}">
+                <a16:creationId xmlns:a16="http://schemas.microsoft.com/office/drawing/2014/main" id="{C160EB9E-ABEA-4959-81FD-97DDD9879896}"/>
+              </a:ext>
+            </a:extLst>
+          </p:cNvPr>
+          <p:cNvSpPr>
+            <a:spLocks noGrp="1"/>
+          </p:cNvSpPr>
+          <p:nvPr>
+            <p:ph type="title"/>
+          </p:nvPr>
+        </p:nvSpPr>
+        <p:spPr/>
+        <p:txBody>
+          <a:bodyPr/>
+          <a:lstStyle/>
+          <a:p>
+            <a:r>
+              <a:rPr lang="hu-HU" dirty="0"/>
+              <a:t>Felhasználók</a:t>
+            </a:r>
+          </a:p>
+        </p:txBody>
+      </p:sp>
+      <p:sp>
+        <p:nvSpPr>
+          <p:cNvPr id="3" name="Tartalom helye 2">
+            <a:extLst>
+              <a:ext uri="{FF2B5EF4-FFF2-40B4-BE49-F238E27FC236}">
+                <a16:creationId xmlns:a16="http://schemas.microsoft.com/office/drawing/2014/main" id="{1D62E08D-56EE-4314-BC21-991F4F88C818}"/>
+              </a:ext>
+            </a:extLst>
+          </p:cNvPr>
+          <p:cNvSpPr>
+            <a:spLocks noGrp="1"/>
+          </p:cNvSpPr>
+          <p:nvPr>
+            <p:ph idx="1"/>
+          </p:nvPr>
+        </p:nvSpPr>
+        <p:spPr/>
+        <p:txBody>
+          <a:bodyPr/>
+          <a:lstStyle/>
+          <a:p>
+            <a:r>
+              <a:rPr lang="hu-HU" dirty="0"/>
+              <a:t>A játék biztosítja a felhasználók létrehozását</a:t>
+            </a:r>
+          </a:p>
+          <a:p>
+            <a:r>
+              <a:rPr lang="hu-HU" dirty="0"/>
+              <a:t>Be lehet jelentkezni a már létrehozott felhasználói profilokba</a:t>
+            </a:r>
+          </a:p>
+          <a:p>
+            <a:r>
+              <a:rPr lang="hu-HU" dirty="0"/>
+              <a:t>A profilok jelszóval vannak védve</a:t>
+            </a:r>
+          </a:p>
+          <a:p>
+            <a:r>
+              <a:rPr lang="hu-HU" dirty="0"/>
+              <a:t>A profilokban el vannak mente a hazavitt kapásaink</a:t>
+            </a:r>
+          </a:p>
+          <a:p>
+            <a:pPr marL="0" indent="0" algn="ctr">
+              <a:buNone/>
+            </a:pPr>
+            <a:r>
+              <a:rPr lang="hu-HU" sz="3200" dirty="0"/>
+              <a:t>Így bármikor folytathatjuk a félbe hagyott  </a:t>
+            </a:r>
+            <a:r>
+              <a:rPr lang="hu-HU" sz="3600" b="1" i="1" dirty="0" err="1"/>
+              <a:t>horgászást</a:t>
+            </a:r>
+            <a:r>
+              <a:rPr lang="hu-HU" sz="3600" b="1" i="1" dirty="0"/>
+              <a:t>!</a:t>
+            </a:r>
+            <a:endParaRPr lang="hu-HU" sz="3200" b="1" i="1" dirty="0"/>
+          </a:p>
+          <a:p>
+            <a:endParaRPr lang="hu-HU" dirty="0"/>
+          </a:p>
+        </p:txBody>
+      </p:sp>
+    </p:spTree>
+    <p:extLst>
+      <p:ext uri="{BB962C8B-B14F-4D97-AF65-F5344CB8AC3E}">
+        <p14:creationId xmlns:p14="http://schemas.microsoft.com/office/powerpoint/2010/main" val="3493511758"/>
       </p:ext>
     </p:extLst>
   </p:cSld>

--- a/Horgász szimulátor.pptx
+++ b/Horgász szimulátor.pptx
@@ -12,6 +12,8 @@
     <p:sldId id="260" r:id="rId6"/>
     <p:sldId id="261" r:id="rId7"/>
     <p:sldId id="262" r:id="rId8"/>
+    <p:sldId id="263" r:id="rId9"/>
+    <p:sldId id="264" r:id="rId10"/>
   </p:sldIdLst>
   <p:sldSz cx="12192000" cy="6858000"/>
   <p:notesSz cx="6858000" cy="9144000"/>
@@ -3830,7 +3832,7 @@
           <a:p>
             <a:r>
               <a:rPr lang="hu-HU" dirty="0"/>
-              <a:t>Valódi horgászat, a horgászoknak és a horgászni nem tudóknak is!</a:t>
+              <a:t>Valódi horgász élmény, a horgászoknak és a horgászni nem tudóknak is!</a:t>
             </a:r>
           </a:p>
           <a:p>
@@ -3841,6 +3843,53 @@
           </a:p>
         </p:txBody>
       </p:sp>
+      <p:pic>
+        <p:nvPicPr>
+          <p:cNvPr id="4" name="Picture 2" descr="3,572 Big Smile Emoji Stock Photos, Pictures &amp; Royalty-Free Images - iStock">
+            <a:extLst>
+              <a:ext uri="{FF2B5EF4-FFF2-40B4-BE49-F238E27FC236}">
+                <a16:creationId xmlns:a16="http://schemas.microsoft.com/office/drawing/2014/main" id="{59A6526A-B460-4ADC-898E-D17E66EDA0F7}"/>
+              </a:ext>
+            </a:extLst>
+          </p:cNvPr>
+          <p:cNvPicPr>
+            <a:picLocks noChangeAspect="1" noChangeArrowheads="1"/>
+          </p:cNvPicPr>
+          <p:nvPr/>
+        </p:nvPicPr>
+        <p:blipFill>
+          <a:blip r:embed="rId2">
+            <a:extLst>
+              <a:ext uri="{28A0092B-C50C-407E-A947-70E740481C1C}">
+                <a14:useLocalDpi xmlns:a14="http://schemas.microsoft.com/office/drawing/2010/main" val="0"/>
+              </a:ext>
+            </a:extLst>
+          </a:blip>
+          <a:srcRect/>
+          <a:stretch>
+            <a:fillRect/>
+          </a:stretch>
+        </p:blipFill>
+        <p:spPr bwMode="auto">
+          <a:xfrm>
+            <a:off x="4600770" y="4585016"/>
+            <a:ext cx="2990460" cy="2189094"/>
+          </a:xfrm>
+          <a:prstGeom prst="rect">
+            <a:avLst/>
+          </a:prstGeom>
+          <a:noFill/>
+          <a:extLst>
+            <a:ext uri="{909E8E84-426E-40DD-AFC4-6F175D3DCCD1}">
+              <a14:hiddenFill xmlns:a14="http://schemas.microsoft.com/office/drawing/2010/main">
+                <a:solidFill>
+                  <a:srgbClr val="FFFFFF"/>
+                </a:solidFill>
+              </a14:hiddenFill>
+            </a:ext>
+          </a:extLst>
+        </p:spPr>
+      </p:pic>
     </p:spTree>
     <p:extLst>
       <p:ext uri="{BB962C8B-B14F-4D97-AF65-F5344CB8AC3E}">
@@ -4361,6 +4410,251 @@
     <p:extLst>
       <p:ext uri="{BB962C8B-B14F-4D97-AF65-F5344CB8AC3E}">
         <p14:creationId xmlns:p14="http://schemas.microsoft.com/office/powerpoint/2010/main" val="3493511758"/>
+      </p:ext>
+    </p:extLst>
+  </p:cSld>
+  <p:clrMapOvr>
+    <a:masterClrMapping/>
+  </p:clrMapOvr>
+</p:sld>
+</file>
+
+<file path=ppt/slides/slide8.xml><?xml version="1.0" encoding="utf-8"?>
+<p:sld xmlns:a="http://schemas.openxmlformats.org/drawingml/2006/main" xmlns:r="http://schemas.openxmlformats.org/officeDocument/2006/relationships" xmlns:p="http://schemas.openxmlformats.org/presentationml/2006/main">
+  <p:cSld>
+    <p:spTree>
+      <p:nvGrpSpPr>
+        <p:cNvPr id="1" name=""/>
+        <p:cNvGrpSpPr/>
+        <p:nvPr/>
+      </p:nvGrpSpPr>
+      <p:grpSpPr>
+        <a:xfrm>
+          <a:off x="0" y="0"/>
+          <a:ext cx="0" cy="0"/>
+          <a:chOff x="0" y="0"/>
+          <a:chExt cx="0" cy="0"/>
+        </a:xfrm>
+      </p:grpSpPr>
+      <p:sp>
+        <p:nvSpPr>
+          <p:cNvPr id="2" name="Cím 1">
+            <a:extLst>
+              <a:ext uri="{FF2B5EF4-FFF2-40B4-BE49-F238E27FC236}">
+                <a16:creationId xmlns:a16="http://schemas.microsoft.com/office/drawing/2014/main" id="{58A0929E-2014-4C93-AB7E-6A715095C2BB}"/>
+              </a:ext>
+            </a:extLst>
+          </p:cNvPr>
+          <p:cNvSpPr>
+            <a:spLocks noGrp="1"/>
+          </p:cNvSpPr>
+          <p:nvPr>
+            <p:ph type="ctrTitle"/>
+          </p:nvPr>
+        </p:nvSpPr>
+        <p:spPr/>
+        <p:txBody>
+          <a:bodyPr>
+            <a:normAutofit/>
+          </a:bodyPr>
+          <a:lstStyle/>
+          <a:p>
+            <a:r>
+              <a:rPr lang="hu-HU" sz="4400" b="0" dirty="0"/>
+              <a:t>Legyen egy csöpp eszed és </a:t>
+            </a:r>
+            <a:br>
+              <a:rPr lang="hu-HU" dirty="0"/>
+            </a:br>
+            <a:r>
+              <a:rPr lang="hu-HU" dirty="0"/>
+              <a:t>Szerezd be most!</a:t>
+            </a:r>
+          </a:p>
+        </p:txBody>
+      </p:sp>
+      <p:sp>
+        <p:nvSpPr>
+          <p:cNvPr id="4" name="Szövegdoboz 3">
+            <a:extLst>
+              <a:ext uri="{FF2B5EF4-FFF2-40B4-BE49-F238E27FC236}">
+                <a16:creationId xmlns:a16="http://schemas.microsoft.com/office/drawing/2014/main" id="{5BBB8AA1-FF26-46A3-BC4F-7B6B4FF293FB}"/>
+              </a:ext>
+            </a:extLst>
+          </p:cNvPr>
+          <p:cNvSpPr txBox="1"/>
+          <p:nvPr/>
+        </p:nvSpPr>
+        <p:spPr>
+          <a:xfrm>
+            <a:off x="2455178" y="3652576"/>
+            <a:ext cx="7281644" cy="400110"/>
+          </a:xfrm>
+          <a:prstGeom prst="rect">
+            <a:avLst/>
+          </a:prstGeom>
+          <a:noFill/>
+        </p:spPr>
+        <p:txBody>
+          <a:bodyPr wrap="square" rtlCol="0">
+            <a:spAutoFit/>
+          </a:bodyPr>
+          <a:lstStyle/>
+          <a:p>
+            <a:pPr algn="ctr"/>
+            <a:r>
+              <a:rPr lang="hu-HU" sz="2000" dirty="0">
+                <a:latin typeface="BankGothic Lt BT" panose="020B0607020203060204" pitchFamily="34" charset="0"/>
+                <a:hlinkClick r:id="rId2"/>
+              </a:rPr>
+              <a:t>https://github.com/zalan0815/fishing_sim/</a:t>
+            </a:r>
+            <a:endParaRPr lang="hu-HU" sz="2000" dirty="0">
+              <a:latin typeface="BankGothic Lt BT" panose="020B0607020203060204" pitchFamily="34" charset="0"/>
+            </a:endParaRPr>
+          </a:p>
+        </p:txBody>
+      </p:sp>
+    </p:spTree>
+    <p:extLst>
+      <p:ext uri="{BB962C8B-B14F-4D97-AF65-F5344CB8AC3E}">
+        <p14:creationId xmlns:p14="http://schemas.microsoft.com/office/powerpoint/2010/main" val="3766785473"/>
+      </p:ext>
+    </p:extLst>
+  </p:cSld>
+  <p:clrMapOvr>
+    <a:masterClrMapping/>
+  </p:clrMapOvr>
+</p:sld>
+</file>
+
+<file path=ppt/slides/slide9.xml><?xml version="1.0" encoding="utf-8"?>
+<p:sld xmlns:a="http://schemas.openxmlformats.org/drawingml/2006/main" xmlns:r="http://schemas.openxmlformats.org/officeDocument/2006/relationships" xmlns:p="http://schemas.openxmlformats.org/presentationml/2006/main">
+  <p:cSld>
+    <p:spTree>
+      <p:nvGrpSpPr>
+        <p:cNvPr id="1" name=""/>
+        <p:cNvGrpSpPr/>
+        <p:nvPr/>
+      </p:nvGrpSpPr>
+      <p:grpSpPr>
+        <a:xfrm>
+          <a:off x="0" y="0"/>
+          <a:ext cx="0" cy="0"/>
+          <a:chOff x="0" y="0"/>
+          <a:chExt cx="0" cy="0"/>
+        </a:xfrm>
+      </p:grpSpPr>
+      <p:pic>
+        <p:nvPicPr>
+          <p:cNvPr id="2050" name="Picture 2" descr="Food Chain Fishing Challenge 4 - Tiny Fish to Monster Fish - YouTube">
+            <a:extLst>
+              <a:ext uri="{FF2B5EF4-FFF2-40B4-BE49-F238E27FC236}">
+                <a16:creationId xmlns:a16="http://schemas.microsoft.com/office/drawing/2014/main" id="{27741FD1-56DD-43ED-A34E-1E1898F08691}"/>
+              </a:ext>
+            </a:extLst>
+          </p:cNvPr>
+          <p:cNvPicPr>
+            <a:picLocks noChangeAspect="1" noChangeArrowheads="1"/>
+          </p:cNvPicPr>
+          <p:nvPr/>
+        </p:nvPicPr>
+        <p:blipFill>
+          <a:blip r:embed="rId2">
+            <a:extLst>
+              <a:ext uri="{28A0092B-C50C-407E-A947-70E740481C1C}">
+                <a14:useLocalDpi xmlns:a14="http://schemas.microsoft.com/office/drawing/2010/main" val="0"/>
+              </a:ext>
+            </a:extLst>
+          </a:blip>
+          <a:srcRect/>
+          <a:stretch>
+            <a:fillRect/>
+          </a:stretch>
+        </p:blipFill>
+        <p:spPr bwMode="auto">
+          <a:xfrm>
+            <a:off x="0" y="0"/>
+            <a:ext cx="12192000" cy="6858000"/>
+          </a:xfrm>
+          <a:prstGeom prst="rect">
+            <a:avLst/>
+          </a:prstGeom>
+          <a:noFill/>
+          <a:extLst>
+            <a:ext uri="{909E8E84-426E-40DD-AFC4-6F175D3DCCD1}">
+              <a14:hiddenFill xmlns:a14="http://schemas.microsoft.com/office/drawing/2010/main">
+                <a:solidFill>
+                  <a:srgbClr val="FFFFFF"/>
+                </a:solidFill>
+              </a14:hiddenFill>
+            </a:ext>
+          </a:extLst>
+        </p:spPr>
+      </p:pic>
+      <p:sp>
+        <p:nvSpPr>
+          <p:cNvPr id="2" name="Szövegdoboz 1">
+            <a:extLst>
+              <a:ext uri="{FF2B5EF4-FFF2-40B4-BE49-F238E27FC236}">
+                <a16:creationId xmlns:a16="http://schemas.microsoft.com/office/drawing/2014/main" id="{40DE8B40-71B0-44F9-B80C-44334548877C}"/>
+              </a:ext>
+            </a:extLst>
+          </p:cNvPr>
+          <p:cNvSpPr txBox="1"/>
+          <p:nvPr/>
+        </p:nvSpPr>
+        <p:spPr>
+          <a:xfrm>
+            <a:off x="1796642" y="3429000"/>
+            <a:ext cx="8598716" cy="830997"/>
+          </a:xfrm>
+          <a:prstGeom prst="rect">
+            <a:avLst/>
+          </a:prstGeom>
+          <a:gradFill>
+            <a:gsLst>
+              <a:gs pos="0">
+                <a:schemeClr val="accent1">
+                  <a:lumMod val="5000"/>
+                  <a:lumOff val="95000"/>
+                  <a:alpha val="25000"/>
+                </a:schemeClr>
+              </a:gs>
+              <a:gs pos="100000">
+                <a:schemeClr val="accent1">
+                  <a:lumMod val="30000"/>
+                  <a:lumOff val="70000"/>
+                  <a:alpha val="50000"/>
+                </a:schemeClr>
+              </a:gs>
+            </a:gsLst>
+            <a:lin ang="5400000" scaled="1"/>
+          </a:gradFill>
+        </p:spPr>
+        <p:txBody>
+          <a:bodyPr wrap="square" rtlCol="0">
+            <a:spAutoFit/>
+          </a:bodyPr>
+          <a:lstStyle/>
+          <a:p>
+            <a:pPr algn="ctr"/>
+            <a:r>
+              <a:rPr lang="hu-HU" sz="4800" b="1" dirty="0">
+                <a:solidFill>
+                  <a:srgbClr val="FF0000"/>
+                </a:solidFill>
+                <a:latin typeface="BankGothic Lt BT" panose="020B0607020203060204" pitchFamily="34" charset="0"/>
+              </a:rPr>
+              <a:t>Köszönjük a figyelmet!</a:t>
+            </a:r>
+          </a:p>
+        </p:txBody>
+      </p:sp>
+    </p:spTree>
+    <p:extLst>
+      <p:ext uri="{BB962C8B-B14F-4D97-AF65-F5344CB8AC3E}">
+        <p14:creationId xmlns:p14="http://schemas.microsoft.com/office/powerpoint/2010/main" val="711536097"/>
       </p:ext>
     </p:extLst>
   </p:cSld>

--- a/Horgász szimulátor.pptx
+++ b/Horgász szimulátor.pptx
@@ -3559,6 +3559,18 @@
   <p:clrMapOvr>
     <a:masterClrMapping/>
   </p:clrMapOvr>
+  <mc:AlternateContent xmlns:mc="http://schemas.openxmlformats.org/markup-compatibility/2006">
+    <mc:Choice xmlns:p14="http://schemas.microsoft.com/office/powerpoint/2010/main" Requires="p14">
+      <p:transition spd="slow" p14:dur="1500">
+        <p:split orient="vert"/>
+      </p:transition>
+    </mc:Choice>
+    <mc:Fallback>
+      <p:transition spd="slow">
+        <p:split orient="vert"/>
+      </p:transition>
+    </mc:Fallback>
+  </mc:AlternateContent>
 </p:sld>
 </file>
 
@@ -3724,6 +3736,18 @@
   <p:clrMapOvr>
     <a:masterClrMapping/>
   </p:clrMapOvr>
+  <mc:AlternateContent xmlns:mc="http://schemas.openxmlformats.org/markup-compatibility/2006">
+    <mc:Choice xmlns:p14="http://schemas.microsoft.com/office/powerpoint/2010/main" Requires="p14">
+      <p:transition spd="slow" p14:dur="4000">
+        <p14:vortex dir="r"/>
+      </p:transition>
+    </mc:Choice>
+    <mc:Fallback>
+      <p:transition spd="slow">
+        <p:fade/>
+      </p:transition>
+    </mc:Fallback>
+  </mc:AlternateContent>
 </p:sld>
 </file>
 

--- a/Horgász szimulátor.pptx
+++ b/Horgász szimulátor.pptx
@@ -3559,13 +3559,13 @@
   <p:clrMapOvr>
     <a:masterClrMapping/>
   </p:clrMapOvr>
-  <mc:AlternateContent xmlns:mc="http://schemas.openxmlformats.org/markup-compatibility/2006">
-    <mc:Choice xmlns:p14="http://schemas.microsoft.com/office/powerpoint/2010/main" Requires="p14">
+  <mc:AlternateContent xmlns:mc="http://schemas.openxmlformats.org/markup-compatibility/2006" xmlns:p14="http://schemas.microsoft.com/office/powerpoint/2010/main">
+    <mc:Choice Requires="p14">
       <p:transition spd="slow" p14:dur="1500">
         <p:split orient="vert"/>
       </p:transition>
     </mc:Choice>
-    <mc:Fallback>
+    <mc:Fallback xmlns="">
       <p:transition spd="slow">
         <p:split orient="vert"/>
       </p:transition>
@@ -3736,13 +3736,13 @@
   <p:clrMapOvr>
     <a:masterClrMapping/>
   </p:clrMapOvr>
-  <mc:AlternateContent xmlns:mc="http://schemas.openxmlformats.org/markup-compatibility/2006">
-    <mc:Choice xmlns:p14="http://schemas.microsoft.com/office/powerpoint/2010/main" Requires="p14">
+  <mc:AlternateContent xmlns:mc="http://schemas.openxmlformats.org/markup-compatibility/2006" xmlns:p14="http://schemas.microsoft.com/office/powerpoint/2010/main">
+    <mc:Choice Requires="p14">
       <p:transition spd="slow" p14:dur="4000">
         <p14:vortex dir="r"/>
       </p:transition>
     </mc:Choice>
-    <mc:Fallback>
+    <mc:Fallback xmlns="">
       <p:transition spd="slow">
         <p:fade/>
       </p:transition>
@@ -3796,8 +3796,32 @@
           <a:p>
             <a:pPr algn="ctr"/>
             <a:r>
+              <a:rPr lang="hu-HU" b="0" dirty="0"/>
+              <a:t>Akkor a</a:t>
+            </a:r>
+            <a:r>
               <a:rPr lang="hu-HU" dirty="0"/>
-              <a:t>Akkor a Horgászok Ligája neked való!</a:t>
+              <a:t> </a:t>
+            </a:r>
+            <a:r>
+              <a:rPr lang="hu-HU" dirty="0">
+                <a:solidFill>
+                  <a:srgbClr val="FF0000"/>
+                </a:solidFill>
+              </a:rPr>
+              <a:t>Horgászok Ligája</a:t>
+            </a:r>
+            <a:r>
+              <a:rPr lang="hu-HU" b="0" dirty="0">
+                <a:solidFill>
+                  <a:srgbClr val="FF0000"/>
+                </a:solidFill>
+              </a:rPr>
+              <a:t> </a:t>
+            </a:r>
+            <a:r>
+              <a:rPr lang="hu-HU" b="0" dirty="0"/>
+              <a:t>neked való!</a:t>
             </a:r>
           </a:p>
         </p:txBody>
@@ -3924,6 +3948,18 @@
   <p:clrMapOvr>
     <a:masterClrMapping/>
   </p:clrMapOvr>
+  <mc:AlternateContent xmlns:mc="http://schemas.openxmlformats.org/markup-compatibility/2006">
+    <mc:Choice xmlns:p15="http://schemas.microsoft.com/office/powerpoint/2012/main" Requires="p15">
+      <p:transition xmlns:p14="http://schemas.microsoft.com/office/powerpoint/2010/main" spd="slow" p14:dur="2000">
+        <p15:prstTrans prst="fallOver"/>
+      </p:transition>
+    </mc:Choice>
+    <mc:Fallback>
+      <p:transition spd="slow">
+        <p:fade/>
+      </p:transition>
+    </mc:Fallback>
+  </mc:AlternateContent>
 </p:sld>
 </file>
 
@@ -4069,6 +4105,18 @@
   <p:clrMapOvr>
     <a:masterClrMapping/>
   </p:clrMapOvr>
+  <mc:AlternateContent xmlns:mc="http://schemas.openxmlformats.org/markup-compatibility/2006">
+    <mc:Choice xmlns:p14="http://schemas.microsoft.com/office/powerpoint/2010/main" Requires="p14">
+      <p:transition spd="slow" p14:dur="1400">
+        <p14:ripple/>
+      </p:transition>
+    </mc:Choice>
+    <mc:Fallback>
+      <p:transition spd="slow">
+        <p:fade/>
+      </p:transition>
+    </mc:Fallback>
+  </mc:AlternateContent>
 </p:sld>
 </file>
 
@@ -4202,6 +4250,18 @@
   <p:clrMapOvr>
     <a:masterClrMapping/>
   </p:clrMapOvr>
+  <mc:AlternateContent xmlns:mc="http://schemas.openxmlformats.org/markup-compatibility/2006">
+    <mc:Choice xmlns:p14="http://schemas.microsoft.com/office/powerpoint/2010/main" Requires="p14">
+      <p:transition spd="slow" p14:dur="1400">
+        <p14:ripple/>
+      </p:transition>
+    </mc:Choice>
+    <mc:Fallback>
+      <p:transition spd="slow">
+        <p:fade/>
+      </p:transition>
+    </mc:Fallback>
+  </mc:AlternateContent>
 </p:sld>
 </file>
 
@@ -4315,6 +4375,18 @@
   <p:clrMapOvr>
     <a:masterClrMapping/>
   </p:clrMapOvr>
+  <mc:AlternateContent xmlns:mc="http://schemas.openxmlformats.org/markup-compatibility/2006">
+    <mc:Choice xmlns:p14="http://schemas.microsoft.com/office/powerpoint/2010/main" Requires="p14">
+      <p:transition spd="slow" p14:dur="1400">
+        <p14:ripple/>
+      </p:transition>
+    </mc:Choice>
+    <mc:Fallback>
+      <p:transition spd="slow">
+        <p:fade/>
+      </p:transition>
+    </mc:Fallback>
+  </mc:AlternateContent>
 </p:sld>
 </file>
 
@@ -4440,6 +4512,18 @@
   <p:clrMapOvr>
     <a:masterClrMapping/>
   </p:clrMapOvr>
+  <mc:AlternateContent xmlns:mc="http://schemas.openxmlformats.org/markup-compatibility/2006">
+    <mc:Choice xmlns:p14="http://schemas.microsoft.com/office/powerpoint/2010/main" Requires="p14">
+      <p:transition spd="slow" p14:dur="1400">
+        <p14:ripple/>
+      </p:transition>
+    </mc:Choice>
+    <mc:Fallback>
+      <p:transition spd="slow">
+        <p:fade/>
+      </p:transition>
+    </mc:Fallback>
+  </mc:AlternateContent>
 </p:sld>
 </file>
 
@@ -4549,6 +4633,9 @@
   <p:clrMapOvr>
     <a:masterClrMapping/>
   </p:clrMapOvr>
+  <p:transition spd="slow">
+    <p:push dir="u"/>
+  </p:transition>
 </p:sld>
 </file>
 
@@ -4685,6 +4772,18 @@
   <p:clrMapOvr>
     <a:masterClrMapping/>
   </p:clrMapOvr>
+  <mc:AlternateContent xmlns:mc="http://schemas.openxmlformats.org/markup-compatibility/2006">
+    <mc:Choice xmlns:p14="http://schemas.microsoft.com/office/powerpoint/2010/main" Requires="p14">
+      <p:transition spd="slow">
+        <p14:flash/>
+      </p:transition>
+    </mc:Choice>
+    <mc:Fallback>
+      <p:transition spd="slow">
+        <p:fade/>
+      </p:transition>
+    </mc:Fallback>
+  </mc:AlternateContent>
 </p:sld>
 </file>
 
